--- a/doc/armv8_porting.pptx
+++ b/doc/armv8_porting.pptx
@@ -1,6 +1,6 @@
 
 <file path=ppt/presentation.xml><?xml version="1.0" encoding="utf-8"?>
-<p:presentation xmlns:a="http://schemas.openxmlformats.org/drawingml/2006/main" xmlns:r="http://schemas.openxmlformats.org/officeDocument/2006/relationships" xmlns:p="http://schemas.openxmlformats.org/presentationml/2006/main" removePersonalInfoOnSave="1" saveSubsetFonts="1">
+<p:presentation xmlns:a="http://schemas.openxmlformats.org/drawingml/2006/main" xmlns:r="http://schemas.openxmlformats.org/officeDocument/2006/relationships" xmlns:p="http://schemas.openxmlformats.org/presentationml/2006/main" serverZoom="35786" removePersonalInfoOnSave="1" saveSubsetFonts="1">
   <p:sldMasterIdLst>
     <p:sldMasterId id="2147483660" r:id="rId1"/>
   </p:sldMasterIdLst>
@@ -244,7 +244,7 @@
           <a:p>
             <a:fld id="{0A35EB76-F5BB-4C5F-8216-55E7A61E637E}" type="datetimeFigureOut">
               <a:rPr kumimoji="1" lang="ja-JP" altLang="en-US" smtClean="0"/>
-              <a:t>2015/12/18</a:t>
+              <a:t>2015/12/24</a:t>
             </a:fld>
             <a:endParaRPr kumimoji="1" lang="ja-JP" altLang="en-US"/>
           </a:p>
@@ -446,7 +446,7 @@
           <a:p>
             <a:fld id="{0A35EB76-F5BB-4C5F-8216-55E7A61E637E}" type="datetimeFigureOut">
               <a:rPr kumimoji="1" lang="ja-JP" altLang="en-US" smtClean="0"/>
-              <a:t>2015/12/18</a:t>
+              <a:t>2015/12/24</a:t>
             </a:fld>
             <a:endParaRPr kumimoji="1" lang="ja-JP" altLang="en-US"/>
           </a:p>
@@ -658,7 +658,7 @@
           <a:p>
             <a:fld id="{0A35EB76-F5BB-4C5F-8216-55E7A61E637E}" type="datetimeFigureOut">
               <a:rPr kumimoji="1" lang="ja-JP" altLang="en-US" smtClean="0"/>
-              <a:t>2015/12/18</a:t>
+              <a:t>2015/12/24</a:t>
             </a:fld>
             <a:endParaRPr kumimoji="1" lang="ja-JP" altLang="en-US"/>
           </a:p>
@@ -860,7 +860,7 @@
           <a:p>
             <a:fld id="{0A35EB76-F5BB-4C5F-8216-55E7A61E637E}" type="datetimeFigureOut">
               <a:rPr kumimoji="1" lang="ja-JP" altLang="en-US" smtClean="0"/>
-              <a:t>2015/12/18</a:t>
+              <a:t>2015/12/24</a:t>
             </a:fld>
             <a:endParaRPr kumimoji="1" lang="ja-JP" altLang="en-US"/>
           </a:p>
@@ -1104,7 +1104,7 @@
           <a:p>
             <a:fld id="{0A35EB76-F5BB-4C5F-8216-55E7A61E637E}" type="datetimeFigureOut">
               <a:rPr kumimoji="1" lang="ja-JP" altLang="en-US" smtClean="0"/>
-              <a:t>2015/12/18</a:t>
+              <a:t>2015/12/24</a:t>
             </a:fld>
             <a:endParaRPr kumimoji="1" lang="ja-JP" altLang="en-US"/>
           </a:p>
@@ -1400,7 +1400,7 @@
           <a:p>
             <a:fld id="{0A35EB76-F5BB-4C5F-8216-55E7A61E637E}" type="datetimeFigureOut">
               <a:rPr kumimoji="1" lang="ja-JP" altLang="en-US" smtClean="0"/>
-              <a:t>2015/12/18</a:t>
+              <a:t>2015/12/24</a:t>
             </a:fld>
             <a:endParaRPr kumimoji="1" lang="ja-JP" altLang="en-US"/>
           </a:p>
@@ -1831,7 +1831,7 @@
           <a:p>
             <a:fld id="{0A35EB76-F5BB-4C5F-8216-55E7A61E637E}" type="datetimeFigureOut">
               <a:rPr kumimoji="1" lang="ja-JP" altLang="en-US" smtClean="0"/>
-              <a:t>2015/12/18</a:t>
+              <a:t>2015/12/24</a:t>
             </a:fld>
             <a:endParaRPr kumimoji="1" lang="ja-JP" altLang="en-US"/>
           </a:p>
@@ -1949,7 +1949,7 @@
           <a:p>
             <a:fld id="{0A35EB76-F5BB-4C5F-8216-55E7A61E637E}" type="datetimeFigureOut">
               <a:rPr kumimoji="1" lang="ja-JP" altLang="en-US" smtClean="0"/>
-              <a:t>2015/12/18</a:t>
+              <a:t>2015/12/24</a:t>
             </a:fld>
             <a:endParaRPr kumimoji="1" lang="ja-JP" altLang="en-US"/>
           </a:p>
@@ -2044,7 +2044,7 @@
           <a:p>
             <a:fld id="{0A35EB76-F5BB-4C5F-8216-55E7A61E637E}" type="datetimeFigureOut">
               <a:rPr kumimoji="1" lang="ja-JP" altLang="en-US" smtClean="0"/>
-              <a:t>2015/12/18</a:t>
+              <a:t>2015/12/24</a:t>
             </a:fld>
             <a:endParaRPr kumimoji="1" lang="ja-JP" altLang="en-US"/>
           </a:p>
@@ -2353,7 +2353,7 @@
           <a:p>
             <a:fld id="{0A35EB76-F5BB-4C5F-8216-55E7A61E637E}" type="datetimeFigureOut">
               <a:rPr kumimoji="1" lang="ja-JP" altLang="en-US" smtClean="0"/>
-              <a:t>2015/12/18</a:t>
+              <a:t>2015/12/24</a:t>
             </a:fld>
             <a:endParaRPr kumimoji="1" lang="ja-JP" altLang="en-US"/>
           </a:p>
@@ -2610,7 +2610,7 @@
           <a:p>
             <a:fld id="{0A35EB76-F5BB-4C5F-8216-55E7A61E637E}" type="datetimeFigureOut">
               <a:rPr kumimoji="1" lang="ja-JP" altLang="en-US" smtClean="0"/>
-              <a:t>2015/12/18</a:t>
+              <a:t>2015/12/24</a:t>
             </a:fld>
             <a:endParaRPr kumimoji="1" lang="ja-JP" altLang="en-US"/>
           </a:p>
@@ -2855,7 +2855,7 @@
           <a:p>
             <a:fld id="{0A35EB76-F5BB-4C5F-8216-55E7A61E637E}" type="datetimeFigureOut">
               <a:rPr kumimoji="1" lang="ja-JP" altLang="en-US" smtClean="0"/>
-              <a:t>2015/12/18</a:t>
+              <a:t>2015/12/24</a:t>
             </a:fld>
             <a:endParaRPr kumimoji="1" lang="ja-JP" altLang="en-US"/>
           </a:p>

--- a/doc/armv8_porting.pptx
+++ b/doc/armv8_porting.pptx
@@ -244,7 +244,7 @@
           <a:p>
             <a:fld id="{0A35EB76-F5BB-4C5F-8216-55E7A61E637E}" type="datetimeFigureOut">
               <a:rPr kumimoji="1" lang="ja-JP" altLang="en-US" smtClean="0"/>
-              <a:t>2015/12/24</a:t>
+              <a:t>2015/12/26</a:t>
             </a:fld>
             <a:endParaRPr kumimoji="1" lang="ja-JP" altLang="en-US"/>
           </a:p>
@@ -446,7 +446,7 @@
           <a:p>
             <a:fld id="{0A35EB76-F5BB-4C5F-8216-55E7A61E637E}" type="datetimeFigureOut">
               <a:rPr kumimoji="1" lang="ja-JP" altLang="en-US" smtClean="0"/>
-              <a:t>2015/12/24</a:t>
+              <a:t>2015/12/26</a:t>
             </a:fld>
             <a:endParaRPr kumimoji="1" lang="ja-JP" altLang="en-US"/>
           </a:p>
@@ -658,7 +658,7 @@
           <a:p>
             <a:fld id="{0A35EB76-F5BB-4C5F-8216-55E7A61E637E}" type="datetimeFigureOut">
               <a:rPr kumimoji="1" lang="ja-JP" altLang="en-US" smtClean="0"/>
-              <a:t>2015/12/24</a:t>
+              <a:t>2015/12/26</a:t>
             </a:fld>
             <a:endParaRPr kumimoji="1" lang="ja-JP" altLang="en-US"/>
           </a:p>
@@ -860,7 +860,7 @@
           <a:p>
             <a:fld id="{0A35EB76-F5BB-4C5F-8216-55E7A61E637E}" type="datetimeFigureOut">
               <a:rPr kumimoji="1" lang="ja-JP" altLang="en-US" smtClean="0"/>
-              <a:t>2015/12/24</a:t>
+              <a:t>2015/12/26</a:t>
             </a:fld>
             <a:endParaRPr kumimoji="1" lang="ja-JP" altLang="en-US"/>
           </a:p>
@@ -1104,7 +1104,7 @@
           <a:p>
             <a:fld id="{0A35EB76-F5BB-4C5F-8216-55E7A61E637E}" type="datetimeFigureOut">
               <a:rPr kumimoji="1" lang="ja-JP" altLang="en-US" smtClean="0"/>
-              <a:t>2015/12/24</a:t>
+              <a:t>2015/12/26</a:t>
             </a:fld>
             <a:endParaRPr kumimoji="1" lang="ja-JP" altLang="en-US"/>
           </a:p>
@@ -1400,7 +1400,7 @@
           <a:p>
             <a:fld id="{0A35EB76-F5BB-4C5F-8216-55E7A61E637E}" type="datetimeFigureOut">
               <a:rPr kumimoji="1" lang="ja-JP" altLang="en-US" smtClean="0"/>
-              <a:t>2015/12/24</a:t>
+              <a:t>2015/12/26</a:t>
             </a:fld>
             <a:endParaRPr kumimoji="1" lang="ja-JP" altLang="en-US"/>
           </a:p>
@@ -1831,7 +1831,7 @@
           <a:p>
             <a:fld id="{0A35EB76-F5BB-4C5F-8216-55E7A61E637E}" type="datetimeFigureOut">
               <a:rPr kumimoji="1" lang="ja-JP" altLang="en-US" smtClean="0"/>
-              <a:t>2015/12/24</a:t>
+              <a:t>2015/12/26</a:t>
             </a:fld>
             <a:endParaRPr kumimoji="1" lang="ja-JP" altLang="en-US"/>
           </a:p>
@@ -1949,7 +1949,7 @@
           <a:p>
             <a:fld id="{0A35EB76-F5BB-4C5F-8216-55E7A61E637E}" type="datetimeFigureOut">
               <a:rPr kumimoji="1" lang="ja-JP" altLang="en-US" smtClean="0"/>
-              <a:t>2015/12/24</a:t>
+              <a:t>2015/12/26</a:t>
             </a:fld>
             <a:endParaRPr kumimoji="1" lang="ja-JP" altLang="en-US"/>
           </a:p>
@@ -2044,7 +2044,7 @@
           <a:p>
             <a:fld id="{0A35EB76-F5BB-4C5F-8216-55E7A61E637E}" type="datetimeFigureOut">
               <a:rPr kumimoji="1" lang="ja-JP" altLang="en-US" smtClean="0"/>
-              <a:t>2015/12/24</a:t>
+              <a:t>2015/12/26</a:t>
             </a:fld>
             <a:endParaRPr kumimoji="1" lang="ja-JP" altLang="en-US"/>
           </a:p>
@@ -2353,7 +2353,7 @@
           <a:p>
             <a:fld id="{0A35EB76-F5BB-4C5F-8216-55E7A61E637E}" type="datetimeFigureOut">
               <a:rPr kumimoji="1" lang="ja-JP" altLang="en-US" smtClean="0"/>
-              <a:t>2015/12/24</a:t>
+              <a:t>2015/12/26</a:t>
             </a:fld>
             <a:endParaRPr kumimoji="1" lang="ja-JP" altLang="en-US"/>
           </a:p>
@@ -2610,7 +2610,7 @@
           <a:p>
             <a:fld id="{0A35EB76-F5BB-4C5F-8216-55E7A61E637E}" type="datetimeFigureOut">
               <a:rPr kumimoji="1" lang="ja-JP" altLang="en-US" smtClean="0"/>
-              <a:t>2015/12/24</a:t>
+              <a:t>2015/12/26</a:t>
             </a:fld>
             <a:endParaRPr kumimoji="1" lang="ja-JP" altLang="en-US"/>
           </a:p>
@@ -2855,7 +2855,7 @@
           <a:p>
             <a:fld id="{0A35EB76-F5BB-4C5F-8216-55E7A61E637E}" type="datetimeFigureOut">
               <a:rPr kumimoji="1" lang="ja-JP" altLang="en-US" smtClean="0"/>
-              <a:t>2015/12/24</a:t>
+              <a:t>2015/12/26</a:t>
             </a:fld>
             <a:endParaRPr kumimoji="1" lang="ja-JP" altLang="en-US"/>
           </a:p>
